--- a/structure.pptx
+++ b/structure.pptx
@@ -6,10 +6,11 @@
   </p:sldMasterIdLst>
   <p:sldIdLst>
     <p:sldId id="256" r:id="rId2"/>
-    <p:sldId id="258" r:id="rId3"/>
-    <p:sldId id="257" r:id="rId4"/>
-    <p:sldId id="259" r:id="rId5"/>
-    <p:sldId id="260" r:id="rId6"/>
+    <p:sldId id="261" r:id="rId3"/>
+    <p:sldId id="258" r:id="rId4"/>
+    <p:sldId id="257" r:id="rId5"/>
+    <p:sldId id="259" r:id="rId6"/>
+    <p:sldId id="260" r:id="rId7"/>
   </p:sldIdLst>
   <p:sldSz cx="12192000" cy="6858000"/>
   <p:notesSz cx="6858000" cy="9144000"/>
@@ -108,6 +109,11 @@
       </a:defRPr>
     </a:lvl9pPr>
   </p:defaultTextStyle>
+  <p:extLst>
+    <p:ext uri="{EFAFB233-063F-42B5-8137-9DF3F51BA10A}">
+      <p15:sldGuideLst xmlns:p15="http://schemas.microsoft.com/office/powerpoint/2012/main"/>
+    </p:ext>
+  </p:extLst>
 </p:presentation>
 </file>
 
@@ -260,7 +266,7 @@
           <a:p>
             <a:fld id="{E49109B4-AD95-47A4-AD84-09FE0ACC986A}" type="datetimeFigureOut">
               <a:rPr lang="en-GB" smtClean="0"/>
-              <a:t>11/11/2019</a:t>
+              <a:t>08/12/2019</a:t>
             </a:fld>
             <a:endParaRPr lang="en-GB"/>
           </a:p>
@@ -460,7 +466,7 @@
           <a:p>
             <a:fld id="{E49109B4-AD95-47A4-AD84-09FE0ACC986A}" type="datetimeFigureOut">
               <a:rPr lang="en-GB" smtClean="0"/>
-              <a:t>11/11/2019</a:t>
+              <a:t>08/12/2019</a:t>
             </a:fld>
             <a:endParaRPr lang="en-GB"/>
           </a:p>
@@ -670,7 +676,7 @@
           <a:p>
             <a:fld id="{E49109B4-AD95-47A4-AD84-09FE0ACC986A}" type="datetimeFigureOut">
               <a:rPr lang="en-GB" smtClean="0"/>
-              <a:t>11/11/2019</a:t>
+              <a:t>08/12/2019</a:t>
             </a:fld>
             <a:endParaRPr lang="en-GB"/>
           </a:p>
@@ -870,7 +876,7 @@
           <a:p>
             <a:fld id="{E49109B4-AD95-47A4-AD84-09FE0ACC986A}" type="datetimeFigureOut">
               <a:rPr lang="en-GB" smtClean="0"/>
-              <a:t>11/11/2019</a:t>
+              <a:t>08/12/2019</a:t>
             </a:fld>
             <a:endParaRPr lang="en-GB"/>
           </a:p>
@@ -1146,7 +1152,7 @@
           <a:p>
             <a:fld id="{E49109B4-AD95-47A4-AD84-09FE0ACC986A}" type="datetimeFigureOut">
               <a:rPr lang="en-GB" smtClean="0"/>
-              <a:t>11/11/2019</a:t>
+              <a:t>08/12/2019</a:t>
             </a:fld>
             <a:endParaRPr lang="en-GB"/>
           </a:p>
@@ -1414,7 +1420,7 @@
           <a:p>
             <a:fld id="{E49109B4-AD95-47A4-AD84-09FE0ACC986A}" type="datetimeFigureOut">
               <a:rPr lang="en-GB" smtClean="0"/>
-              <a:t>11/11/2019</a:t>
+              <a:t>08/12/2019</a:t>
             </a:fld>
             <a:endParaRPr lang="en-GB"/>
           </a:p>
@@ -1829,7 +1835,7 @@
           <a:p>
             <a:fld id="{E49109B4-AD95-47A4-AD84-09FE0ACC986A}" type="datetimeFigureOut">
               <a:rPr lang="en-GB" smtClean="0"/>
-              <a:t>11/11/2019</a:t>
+              <a:t>08/12/2019</a:t>
             </a:fld>
             <a:endParaRPr lang="en-GB"/>
           </a:p>
@@ -1971,7 +1977,7 @@
           <a:p>
             <a:fld id="{E49109B4-AD95-47A4-AD84-09FE0ACC986A}" type="datetimeFigureOut">
               <a:rPr lang="en-GB" smtClean="0"/>
-              <a:t>11/11/2019</a:t>
+              <a:t>08/12/2019</a:t>
             </a:fld>
             <a:endParaRPr lang="en-GB"/>
           </a:p>
@@ -2084,7 +2090,7 @@
           <a:p>
             <a:fld id="{E49109B4-AD95-47A4-AD84-09FE0ACC986A}" type="datetimeFigureOut">
               <a:rPr lang="en-GB" smtClean="0"/>
-              <a:t>11/11/2019</a:t>
+              <a:t>08/12/2019</a:t>
             </a:fld>
             <a:endParaRPr lang="en-GB"/>
           </a:p>
@@ -2397,7 +2403,7 @@
           <a:p>
             <a:fld id="{E49109B4-AD95-47A4-AD84-09FE0ACC986A}" type="datetimeFigureOut">
               <a:rPr lang="en-GB" smtClean="0"/>
-              <a:t>11/11/2019</a:t>
+              <a:t>08/12/2019</a:t>
             </a:fld>
             <a:endParaRPr lang="en-GB"/>
           </a:p>
@@ -2686,7 +2692,7 @@
           <a:p>
             <a:fld id="{E49109B4-AD95-47A4-AD84-09FE0ACC986A}" type="datetimeFigureOut">
               <a:rPr lang="en-GB" smtClean="0"/>
-              <a:t>11/11/2019</a:t>
+              <a:t>08/12/2019</a:t>
             </a:fld>
             <a:endParaRPr lang="en-GB"/>
           </a:p>
@@ -2929,7 +2935,7 @@
           <a:p>
             <a:fld id="{E49109B4-AD95-47A4-AD84-09FE0ACC986A}" type="datetimeFigureOut">
               <a:rPr lang="en-GB" smtClean="0"/>
-              <a:t>11/11/2019</a:t>
+              <a:t>08/12/2019</a:t>
             </a:fld>
             <a:endParaRPr lang="en-GB"/>
           </a:p>
@@ -3392,7 +3398,9 @@
         </p:nvSpPr>
         <p:spPr/>
         <p:txBody>
-          <a:bodyPr/>
+          <a:bodyPr>
+            <a:normAutofit fontScale="92500" lnSpcReduction="10000"/>
+          </a:bodyPr>
           <a:lstStyle/>
           <a:p>
             <a:r>
@@ -3404,6 +3412,18 @@
             <a:r>
               <a:rPr lang="en-GB" dirty="0"/>
               <a:t>Independent web developer based in London.</a:t>
+            </a:r>
+          </a:p>
+          <a:p>
+            <a:r>
+              <a:rPr lang="en-GB" dirty="0"/>
+              <a:t>ITESFAQABOUTBLOGCONTACT</a:t>
+            </a:r>
+          </a:p>
+          <a:p>
+            <a:r>
+              <a:rPr lang="en-GB" dirty="0"/>
+              <a:t>I'm a freelance web designer/developer</a:t>
             </a:r>
           </a:p>
         </p:txBody>
@@ -3443,6 +3463,130 @@
           <p:cNvPr id="2" name="Title 1">
             <a:extLst>
               <a:ext uri="{FF2B5EF4-FFF2-40B4-BE49-F238E27FC236}">
+                <a16:creationId xmlns:a16="http://schemas.microsoft.com/office/drawing/2014/main" id="{AD2370EC-6BE1-48EF-B52F-3691E1D2101B}"/>
+              </a:ext>
+            </a:extLst>
+          </p:cNvPr>
+          <p:cNvSpPr>
+            <a:spLocks noGrp="1"/>
+          </p:cNvSpPr>
+          <p:nvPr>
+            <p:ph type="title"/>
+          </p:nvPr>
+        </p:nvSpPr>
+        <p:spPr/>
+        <p:txBody>
+          <a:bodyPr/>
+          <a:lstStyle/>
+          <a:p>
+            <a:r>
+              <a:rPr lang="en-GB" dirty="0"/>
+              <a:t>Introduction	</a:t>
+            </a:r>
+          </a:p>
+        </p:txBody>
+      </p:sp>
+      <p:sp>
+        <p:nvSpPr>
+          <p:cNvPr id="3" name="Content Placeholder 2">
+            <a:extLst>
+              <a:ext uri="{FF2B5EF4-FFF2-40B4-BE49-F238E27FC236}">
+                <a16:creationId xmlns:a16="http://schemas.microsoft.com/office/drawing/2014/main" id="{BCB75369-21D5-4686-8870-1A53409E3E0F}"/>
+              </a:ext>
+            </a:extLst>
+          </p:cNvPr>
+          <p:cNvSpPr>
+            <a:spLocks noGrp="1"/>
+          </p:cNvSpPr>
+          <p:nvPr>
+            <p:ph idx="1"/>
+          </p:nvPr>
+        </p:nvSpPr>
+        <p:spPr/>
+        <p:txBody>
+          <a:bodyPr/>
+          <a:lstStyle/>
+          <a:p>
+            <a:pPr fontAlgn="base"/>
+            <a:r>
+              <a:rPr lang="en-GB" dirty="0"/>
+              <a:t>A bespoke website for your business</a:t>
+            </a:r>
+          </a:p>
+          <a:p>
+            <a:pPr fontAlgn="base"/>
+            <a:r>
+              <a:rPr lang="en-GB" dirty="0"/>
+              <a:t>I'm Sarah a full-time independent web designer based in London, UK. My experience along with my collaborative and approachable process makes me the stand out choice as your web partner to take your business to the next level.</a:t>
+            </a:r>
+          </a:p>
+          <a:p>
+            <a:pPr fontAlgn="base"/>
+            <a:r>
+              <a:rPr lang="en-GB" dirty="0"/>
+              <a:t>As well as designing and building </a:t>
+            </a:r>
+            <a:r>
+              <a:rPr lang="en-GB" dirty="0">
+                <a:hlinkClick r:id="rId2"/>
+              </a:rPr>
+              <a:t>marketing-centric websites</a:t>
+            </a:r>
+            <a:r>
+              <a:rPr lang="en-GB" dirty="0"/>
+              <a:t> I also provide </a:t>
+            </a:r>
+            <a:r>
+              <a:rPr lang="en-GB" dirty="0">
+                <a:hlinkClick r:id="rId3"/>
+              </a:rPr>
+              <a:t>design only services</a:t>
+            </a:r>
+            <a:r>
+              <a:rPr lang="en-GB" dirty="0"/>
+              <a:t> for ecommerce websites, mobile apps and high functionality websites.</a:t>
+            </a:r>
+          </a:p>
+          <a:p>
+            <a:endParaRPr lang="en-GB" dirty="0"/>
+          </a:p>
+        </p:txBody>
+      </p:sp>
+    </p:spTree>
+    <p:extLst>
+      <p:ext uri="{BB962C8B-B14F-4D97-AF65-F5344CB8AC3E}">
+        <p14:creationId xmlns:p14="http://schemas.microsoft.com/office/powerpoint/2010/main" val="1789912536"/>
+      </p:ext>
+    </p:extLst>
+  </p:cSld>
+  <p:clrMapOvr>
+    <a:masterClrMapping/>
+  </p:clrMapOvr>
+</p:sld>
+</file>
+
+<file path=ppt/slides/slide3.xml><?xml version="1.0" encoding="utf-8"?>
+<p:sld xmlns:a="http://schemas.openxmlformats.org/drawingml/2006/main" xmlns:r="http://schemas.openxmlformats.org/officeDocument/2006/relationships" xmlns:p="http://schemas.openxmlformats.org/presentationml/2006/main">
+  <p:cSld>
+    <p:spTree>
+      <p:nvGrpSpPr>
+        <p:cNvPr id="1" name=""/>
+        <p:cNvGrpSpPr/>
+        <p:nvPr/>
+      </p:nvGrpSpPr>
+      <p:grpSpPr>
+        <a:xfrm>
+          <a:off x="0" y="0"/>
+          <a:ext cx="0" cy="0"/>
+          <a:chOff x="0" y="0"/>
+          <a:chExt cx="0" cy="0"/>
+        </a:xfrm>
+      </p:grpSpPr>
+      <p:sp>
+        <p:nvSpPr>
+          <p:cNvPr id="2" name="Title 1">
+            <a:extLst>
+              <a:ext uri="{FF2B5EF4-FFF2-40B4-BE49-F238E27FC236}">
                 <a16:creationId xmlns:a16="http://schemas.microsoft.com/office/drawing/2014/main" id="{763D748F-1A77-429D-835C-46D71441F1B7}"/>
               </a:ext>
             </a:extLst>
@@ -4007,108 +4151,64 @@
           </a:p>
         </p:txBody>
       </p:sp>
+      <p:sp>
+        <p:nvSpPr>
+          <p:cNvPr id="13" name="Rectangle 12">
+            <a:extLst>
+              <a:ext uri="{FF2B5EF4-FFF2-40B4-BE49-F238E27FC236}">
+                <a16:creationId xmlns:a16="http://schemas.microsoft.com/office/drawing/2014/main" id="{4A2372B8-7DAA-4B32-940B-0982178ADB26}"/>
+              </a:ext>
+            </a:extLst>
+          </p:cNvPr>
+          <p:cNvSpPr/>
+          <p:nvPr/>
+        </p:nvSpPr>
+        <p:spPr>
+          <a:xfrm>
+            <a:off x="8869094" y="2010714"/>
+            <a:ext cx="2377440" cy="3981157"/>
+          </a:xfrm>
+          <a:prstGeom prst="rect">
+            <a:avLst/>
+          </a:prstGeom>
+        </p:spPr>
+        <p:style>
+          <a:lnRef idx="2">
+            <a:schemeClr val="accent1">
+              <a:shade val="50000"/>
+            </a:schemeClr>
+          </a:lnRef>
+          <a:fillRef idx="1">
+            <a:schemeClr val="accent1"/>
+          </a:fillRef>
+          <a:effectRef idx="0">
+            <a:schemeClr val="accent1"/>
+          </a:effectRef>
+          <a:fontRef idx="minor">
+            <a:schemeClr val="lt1"/>
+          </a:fontRef>
+        </p:style>
+        <p:txBody>
+          <a:bodyPr rtlCol="0" anchor="t" anchorCtr="0"/>
+          <a:lstStyle/>
+          <a:p>
+            <a:r>
+              <a:rPr lang="en-GB" dirty="0"/>
+              <a:t>Website management that keeps up with the digital evolution through regular website maintenance and management.</a:t>
+            </a:r>
+          </a:p>
+          <a:p>
+            <a:r>
+              <a:rPr lang="en-GB" dirty="0"/>
+              <a:t>Content and upkeep can be hard, I can work with you to help devise content strategies and make sure the website is the best it can be</a:t>
+            </a:r>
+          </a:p>
+        </p:txBody>
+      </p:sp>
     </p:spTree>
     <p:extLst>
       <p:ext uri="{BB962C8B-B14F-4D97-AF65-F5344CB8AC3E}">
         <p14:creationId xmlns:p14="http://schemas.microsoft.com/office/powerpoint/2010/main" val="2981846406"/>
-      </p:ext>
-    </p:extLst>
-  </p:cSld>
-  <p:clrMapOvr>
-    <a:masterClrMapping/>
-  </p:clrMapOvr>
-</p:sld>
-</file>
-
-<file path=ppt/slides/slide3.xml><?xml version="1.0" encoding="utf-8"?>
-<p:sld xmlns:a="http://schemas.openxmlformats.org/drawingml/2006/main" xmlns:r="http://schemas.openxmlformats.org/officeDocument/2006/relationships" xmlns:p="http://schemas.openxmlformats.org/presentationml/2006/main">
-  <p:cSld>
-    <p:spTree>
-      <p:nvGrpSpPr>
-        <p:cNvPr id="1" name=""/>
-        <p:cNvGrpSpPr/>
-        <p:nvPr/>
-      </p:nvGrpSpPr>
-      <p:grpSpPr>
-        <a:xfrm>
-          <a:off x="0" y="0"/>
-          <a:ext cx="0" cy="0"/>
-          <a:chOff x="0" y="0"/>
-          <a:chExt cx="0" cy="0"/>
-        </a:xfrm>
-      </p:grpSpPr>
-      <p:sp>
-        <p:nvSpPr>
-          <p:cNvPr id="2" name="Title 1">
-            <a:extLst>
-              <a:ext uri="{FF2B5EF4-FFF2-40B4-BE49-F238E27FC236}">
-                <a16:creationId xmlns:a16="http://schemas.microsoft.com/office/drawing/2014/main" id="{EBD16C24-12C5-4FF4-9B0F-6A9487D738FC}"/>
-              </a:ext>
-            </a:extLst>
-          </p:cNvPr>
-          <p:cNvSpPr>
-            <a:spLocks noGrp="1"/>
-          </p:cNvSpPr>
-          <p:nvPr>
-            <p:ph type="title"/>
-          </p:nvPr>
-        </p:nvSpPr>
-        <p:spPr/>
-        <p:txBody>
-          <a:bodyPr/>
-          <a:lstStyle/>
-          <a:p>
-            <a:r>
-              <a:rPr lang="en-GB" dirty="0"/>
-              <a:t>Why? </a:t>
-            </a:r>
-          </a:p>
-        </p:txBody>
-      </p:sp>
-      <p:sp>
-        <p:nvSpPr>
-          <p:cNvPr id="3" name="Content Placeholder 2">
-            <a:extLst>
-              <a:ext uri="{FF2B5EF4-FFF2-40B4-BE49-F238E27FC236}">
-                <a16:creationId xmlns:a16="http://schemas.microsoft.com/office/drawing/2014/main" id="{0EC166B1-998C-44FA-8C24-1B7A07B64E0D}"/>
-              </a:ext>
-            </a:extLst>
-          </p:cNvPr>
-          <p:cNvSpPr>
-            <a:spLocks noGrp="1"/>
-          </p:cNvSpPr>
-          <p:nvPr>
-            <p:ph idx="1"/>
-          </p:nvPr>
-        </p:nvSpPr>
-        <p:spPr/>
-        <p:txBody>
-          <a:bodyPr/>
-          <a:lstStyle/>
-          <a:p>
-            <a:r>
-              <a:rPr lang="en-GB" dirty="0"/>
-              <a:t>Take you old website to modernity that will be suitable for all devices and screen sizes</a:t>
-            </a:r>
-          </a:p>
-          <a:p>
-            <a:r>
-              <a:rPr lang="en-GB" dirty="0"/>
-              <a:t>Have a new business? I can help you Bring you business to the internet.</a:t>
-            </a:r>
-          </a:p>
-          <a:p>
-            <a:r>
-              <a:rPr lang="en-GB" dirty="0"/>
-              <a:t>Personal website </a:t>
-            </a:r>
-          </a:p>
-        </p:txBody>
-      </p:sp>
-    </p:spTree>
-    <p:extLst>
-      <p:ext uri="{BB962C8B-B14F-4D97-AF65-F5344CB8AC3E}">
-        <p14:creationId xmlns:p14="http://schemas.microsoft.com/office/powerpoint/2010/main" val="1962226126"/>
       </p:ext>
     </p:extLst>
   </p:cSld>
@@ -4140,6 +4240,129 @@
           <p:cNvPr id="2" name="Title 1">
             <a:extLst>
               <a:ext uri="{FF2B5EF4-FFF2-40B4-BE49-F238E27FC236}">
+                <a16:creationId xmlns:a16="http://schemas.microsoft.com/office/drawing/2014/main" id="{EBD16C24-12C5-4FF4-9B0F-6A9487D738FC}"/>
+              </a:ext>
+            </a:extLst>
+          </p:cNvPr>
+          <p:cNvSpPr>
+            <a:spLocks noGrp="1"/>
+          </p:cNvSpPr>
+          <p:nvPr>
+            <p:ph type="title"/>
+          </p:nvPr>
+        </p:nvSpPr>
+        <p:spPr/>
+        <p:txBody>
+          <a:bodyPr/>
+          <a:lstStyle/>
+          <a:p>
+            <a:r>
+              <a:rPr lang="en-GB" dirty="0"/>
+              <a:t>Why? </a:t>
+            </a:r>
+          </a:p>
+        </p:txBody>
+      </p:sp>
+      <p:sp>
+        <p:nvSpPr>
+          <p:cNvPr id="3" name="Content Placeholder 2">
+            <a:extLst>
+              <a:ext uri="{FF2B5EF4-FFF2-40B4-BE49-F238E27FC236}">
+                <a16:creationId xmlns:a16="http://schemas.microsoft.com/office/drawing/2014/main" id="{0EC166B1-998C-44FA-8C24-1B7A07B64E0D}"/>
+              </a:ext>
+            </a:extLst>
+          </p:cNvPr>
+          <p:cNvSpPr>
+            <a:spLocks noGrp="1"/>
+          </p:cNvSpPr>
+          <p:nvPr>
+            <p:ph idx="1"/>
+          </p:nvPr>
+        </p:nvSpPr>
+        <p:spPr/>
+        <p:txBody>
+          <a:bodyPr/>
+          <a:lstStyle/>
+          <a:p>
+            <a:r>
+              <a:rPr lang="en-GB" dirty="0"/>
+              <a:t>Want to add an extra section to an existing website or make small changes? Yes, I can help</a:t>
+            </a:r>
+          </a:p>
+          <a:p>
+            <a:r>
+              <a:rPr lang="en-GB" dirty="0"/>
+              <a:t>A complete </a:t>
+            </a:r>
+            <a:r>
+              <a:rPr lang="en-GB" dirty="0" err="1"/>
+              <a:t>redising</a:t>
+            </a:r>
+            <a:r>
+              <a:rPr lang="en-GB" dirty="0"/>
+              <a:t> of your old website taking it to modernity that will be suitable for all devices and screen sizes</a:t>
+            </a:r>
+          </a:p>
+          <a:p>
+            <a:r>
+              <a:rPr lang="en-GB" dirty="0"/>
+              <a:t>Have a new business? I can help you Bring you business to the internet.</a:t>
+            </a:r>
+          </a:p>
+          <a:p>
+            <a:r>
+              <a:rPr lang="en-GB" dirty="0"/>
+              <a:t>Personal website </a:t>
+            </a:r>
+          </a:p>
+          <a:p>
+            <a:r>
+              <a:rPr lang="en-GB" dirty="0"/>
+              <a:t>No matter the size of </a:t>
+            </a:r>
+            <a:r>
+              <a:rPr lang="en-GB"/>
+              <a:t>the job, I am more than happy to help</a:t>
+            </a:r>
+            <a:endParaRPr lang="en-GB" dirty="0"/>
+          </a:p>
+        </p:txBody>
+      </p:sp>
+    </p:spTree>
+    <p:extLst>
+      <p:ext uri="{BB962C8B-B14F-4D97-AF65-F5344CB8AC3E}">
+        <p14:creationId xmlns:p14="http://schemas.microsoft.com/office/powerpoint/2010/main" val="1962226126"/>
+      </p:ext>
+    </p:extLst>
+  </p:cSld>
+  <p:clrMapOvr>
+    <a:masterClrMapping/>
+  </p:clrMapOvr>
+</p:sld>
+</file>
+
+<file path=ppt/slides/slide5.xml><?xml version="1.0" encoding="utf-8"?>
+<p:sld xmlns:a="http://schemas.openxmlformats.org/drawingml/2006/main" xmlns:r="http://schemas.openxmlformats.org/officeDocument/2006/relationships" xmlns:p="http://schemas.openxmlformats.org/presentationml/2006/main">
+  <p:cSld>
+    <p:spTree>
+      <p:nvGrpSpPr>
+        <p:cNvPr id="1" name=""/>
+        <p:cNvGrpSpPr/>
+        <p:nvPr/>
+      </p:nvGrpSpPr>
+      <p:grpSpPr>
+        <a:xfrm>
+          <a:off x="0" y="0"/>
+          <a:ext cx="0" cy="0"/>
+          <a:chOff x="0" y="0"/>
+          <a:chExt cx="0" cy="0"/>
+        </a:xfrm>
+      </p:grpSpPr>
+      <p:sp>
+        <p:nvSpPr>
+          <p:cNvPr id="2" name="Title 1">
+            <a:extLst>
+              <a:ext uri="{FF2B5EF4-FFF2-40B4-BE49-F238E27FC236}">
                 <a16:creationId xmlns:a16="http://schemas.microsoft.com/office/drawing/2014/main" id="{7E3DDB5A-38C9-40DC-A40F-F1AB5058B227}"/>
               </a:ext>
             </a:extLst>
@@ -4158,7 +4381,7 @@
           <a:p>
             <a:r>
               <a:rPr lang="en-GB" dirty="0"/>
-              <a:t>Portfolio</a:t>
+              <a:t>My work</a:t>
             </a:r>
           </a:p>
         </p:txBody>
@@ -4181,7 +4404,9 @@
         </p:nvSpPr>
         <p:spPr/>
         <p:txBody>
-          <a:bodyPr/>
+          <a:bodyPr>
+            <a:normAutofit fontScale="92500" lnSpcReduction="20000"/>
+          </a:bodyPr>
           <a:lstStyle/>
           <a:p>
             <a:r>
@@ -4234,6 +4459,37 @@
               </a:rPr>
               <a:t>startup</a:t>
             </a:r>
+            <a:endParaRPr lang="en-GB" dirty="0">
+              <a:sym typeface="Wingdings" panose="05000000000000000000" pitchFamily="2" charset="2"/>
+            </a:endParaRPr>
+          </a:p>
+          <a:p>
+            <a:endParaRPr lang="en-GB" dirty="0">
+              <a:sym typeface="Wingdings" panose="05000000000000000000" pitchFamily="2" charset="2"/>
+            </a:endParaRPr>
+          </a:p>
+          <a:p>
+            <a:pPr fontAlgn="base"/>
+            <a:r>
+              <a:rPr lang="en-GB" dirty="0"/>
+              <a:t>My Work</a:t>
+            </a:r>
+          </a:p>
+          <a:p>
+            <a:pPr fontAlgn="base"/>
+            <a:r>
+              <a:rPr lang="en-GB" dirty="0"/>
+              <a:t>With over 10 years experience I've helped small to large businesses make an impact online with expertly crafted bespoke websites.</a:t>
+            </a:r>
+          </a:p>
+          <a:p>
+            <a:pPr fontAlgn="base"/>
+            <a:r>
+              <a:rPr lang="en-GB" dirty="0"/>
+              <a:t>My websites are built to be fast and work across modern devices whilst being updatable by my clients!</a:t>
+            </a:r>
+          </a:p>
+          <a:p>
             <a:br>
               <a:rPr lang="en-GB" dirty="0">
                 <a:sym typeface="Wingdings" panose="05000000000000000000" pitchFamily="2" charset="2"/>
@@ -4256,7 +4512,7 @@
 </p:sld>
 </file>
 
-<file path=ppt/slides/slide5.xml><?xml version="1.0" encoding="utf-8"?>
+<file path=ppt/slides/slide6.xml><?xml version="1.0" encoding="utf-8"?>
 <p:sld xmlns:a="http://schemas.openxmlformats.org/drawingml/2006/main" xmlns:r="http://schemas.openxmlformats.org/officeDocument/2006/relationships" xmlns:p="http://schemas.openxmlformats.org/presentationml/2006/main">
   <p:cSld>
     <p:spTree>
